--- a/doc/企画書.pptx
+++ b/doc/企画書.pptx
@@ -343,7 +343,7 @@
           <a:p>
             <a:fld id="{C8A18D17-1A1F-4945-8411-D6748C1D83CB}" type="datetimeFigureOut">
               <a:rPr kumimoji="1" lang="ja-JP" altLang="en-US" smtClean="0"/>
-              <a:t>2018/9/27</a:t>
+              <a:t>2018/9/28</a:t>
             </a:fld>
             <a:endParaRPr kumimoji="1" lang="ja-JP" altLang="en-US"/>
           </a:p>
@@ -583,7 +583,7 @@
           <a:p>
             <a:fld id="{C8A18D17-1A1F-4945-8411-D6748C1D83CB}" type="datetimeFigureOut">
               <a:rPr kumimoji="1" lang="ja-JP" altLang="en-US" smtClean="0"/>
-              <a:t>2018/9/27</a:t>
+              <a:t>2018/9/28</a:t>
             </a:fld>
             <a:endParaRPr kumimoji="1" lang="ja-JP" altLang="en-US"/>
           </a:p>
@@ -871,7 +871,7 @@
           <a:p>
             <a:fld id="{C8A18D17-1A1F-4945-8411-D6748C1D83CB}" type="datetimeFigureOut">
               <a:rPr kumimoji="1" lang="ja-JP" altLang="en-US" smtClean="0"/>
-              <a:t>2018/9/27</a:t>
+              <a:t>2018/9/28</a:t>
             </a:fld>
             <a:endParaRPr kumimoji="1" lang="ja-JP" altLang="en-US"/>
           </a:p>
@@ -1077,7 +1077,7 @@
           <a:p>
             <a:fld id="{C8A18D17-1A1F-4945-8411-D6748C1D83CB}" type="datetimeFigureOut">
               <a:rPr kumimoji="1" lang="ja-JP" altLang="en-US" smtClean="0"/>
-              <a:t>2018/9/27</a:t>
+              <a:t>2018/9/28</a:t>
             </a:fld>
             <a:endParaRPr kumimoji="1" lang="ja-JP" altLang="en-US"/>
           </a:p>
@@ -1420,7 +1420,7 @@
           <a:p>
             <a:fld id="{C8A18D17-1A1F-4945-8411-D6748C1D83CB}" type="datetimeFigureOut">
               <a:rPr kumimoji="1" lang="ja-JP" altLang="en-US" smtClean="0"/>
-              <a:t>2018/9/27</a:t>
+              <a:t>2018/9/28</a:t>
             </a:fld>
             <a:endParaRPr kumimoji="1" lang="ja-JP" altLang="en-US"/>
           </a:p>
@@ -1759,7 +1759,7 @@
           <a:p>
             <a:fld id="{C8A18D17-1A1F-4945-8411-D6748C1D83CB}" type="datetimeFigureOut">
               <a:rPr kumimoji="1" lang="ja-JP" altLang="en-US" smtClean="0"/>
-              <a:t>2018/9/27</a:t>
+              <a:t>2018/9/28</a:t>
             </a:fld>
             <a:endParaRPr kumimoji="1" lang="ja-JP" altLang="en-US"/>
           </a:p>
@@ -2202,7 +2202,7 @@
           <a:p>
             <a:fld id="{C8A18D17-1A1F-4945-8411-D6748C1D83CB}" type="datetimeFigureOut">
               <a:rPr kumimoji="1" lang="ja-JP" altLang="en-US" smtClean="0"/>
-              <a:t>2018/9/27</a:t>
+              <a:t>2018/9/28</a:t>
             </a:fld>
             <a:endParaRPr kumimoji="1" lang="ja-JP" altLang="en-US"/>
           </a:p>
@@ -2320,7 +2320,7 @@
           <a:p>
             <a:fld id="{C8A18D17-1A1F-4945-8411-D6748C1D83CB}" type="datetimeFigureOut">
               <a:rPr kumimoji="1" lang="ja-JP" altLang="en-US" smtClean="0"/>
-              <a:t>2018/9/27</a:t>
+              <a:t>2018/9/28</a:t>
             </a:fld>
             <a:endParaRPr kumimoji="1" lang="ja-JP" altLang="en-US"/>
           </a:p>
@@ -2491,7 +2491,7 @@
           <a:p>
             <a:fld id="{C8A18D17-1A1F-4945-8411-D6748C1D83CB}" type="datetimeFigureOut">
               <a:rPr kumimoji="1" lang="ja-JP" altLang="en-US" smtClean="0"/>
-              <a:t>2018/9/27</a:t>
+              <a:t>2018/9/28</a:t>
             </a:fld>
             <a:endParaRPr kumimoji="1" lang="ja-JP" altLang="en-US"/>
           </a:p>
@@ -2877,7 +2877,7 @@
           <a:p>
             <a:fld id="{C8A18D17-1A1F-4945-8411-D6748C1D83CB}" type="datetimeFigureOut">
               <a:rPr kumimoji="1" lang="ja-JP" altLang="en-US" smtClean="0"/>
-              <a:t>2018/9/27</a:t>
+              <a:t>2018/9/28</a:t>
             </a:fld>
             <a:endParaRPr kumimoji="1" lang="ja-JP" altLang="en-US"/>
           </a:p>
@@ -3259,7 +3259,7 @@
           <a:p>
             <a:fld id="{C8A18D17-1A1F-4945-8411-D6748C1D83CB}" type="datetimeFigureOut">
               <a:rPr kumimoji="1" lang="ja-JP" altLang="en-US" smtClean="0"/>
-              <a:t>2018/9/27</a:t>
+              <a:t>2018/9/28</a:t>
             </a:fld>
             <a:endParaRPr kumimoji="1" lang="ja-JP" altLang="en-US"/>
           </a:p>
@@ -3578,7 +3578,7 @@
           <a:p>
             <a:fld id="{C8A18D17-1A1F-4945-8411-D6748C1D83CB}" type="datetimeFigureOut">
               <a:rPr kumimoji="1" lang="ja-JP" altLang="en-US" smtClean="0"/>
-              <a:t>2018/9/27</a:t>
+              <a:t>2018/9/28</a:t>
             </a:fld>
             <a:endParaRPr kumimoji="1" lang="ja-JP" altLang="en-US"/>
           </a:p>
@@ -4618,7 +4618,7 @@
             </a:r>
             <a:r>
               <a:rPr lang="ja-JP" altLang="en-US" sz="2800" dirty="0"/>
-              <a:t>アクションシューティングゲーム</a:t>
+              <a:t>格闘ゲーム</a:t>
             </a:r>
             <a:endParaRPr kumimoji="1" lang="ja-JP" altLang="en-US" sz="2800" dirty="0"/>
           </a:p>
